--- a/docs/songs/he lives.pptx
+++ b/docs/songs/he lives.pptx
@@ -215,7 +215,7 @@
           <a:p>
             <a:fld id="{C57EAEFC-A9C7-464E-BE3F-33D4DD72E122}" type="datetimeFigureOut">
               <a:rPr lang="en-GB" smtClean="0"/>
-              <a:t>22/09/2025</a:t>
+              <a:t>10/11/2025</a:t>
             </a:fld>
             <a:endParaRPr lang="en-GB"/>
           </a:p>
@@ -749,7 +749,7 @@
             <a:fld id="{26EA1CF3-4A15-4CBF-9A5A-6A56C368BE71}" type="datetimeFigureOut">
               <a:rPr lang="en-GB" smtClean="0"/>
               <a:pPr/>
-              <a:t>22/09/2025</a:t>
+              <a:t>10/11/2025</a:t>
             </a:fld>
             <a:endParaRPr lang="en-GB"/>
           </a:p>
@@ -916,7 +916,7 @@
             <a:fld id="{26EA1CF3-4A15-4CBF-9A5A-6A56C368BE71}" type="datetimeFigureOut">
               <a:rPr lang="en-GB" smtClean="0"/>
               <a:pPr/>
-              <a:t>22/09/2025</a:t>
+              <a:t>10/11/2025</a:t>
             </a:fld>
             <a:endParaRPr lang="en-GB"/>
           </a:p>
@@ -1093,7 +1093,7 @@
             <a:fld id="{26EA1CF3-4A15-4CBF-9A5A-6A56C368BE71}" type="datetimeFigureOut">
               <a:rPr lang="en-GB" smtClean="0"/>
               <a:pPr/>
-              <a:t>22/09/2025</a:t>
+              <a:t>10/11/2025</a:t>
             </a:fld>
             <a:endParaRPr lang="en-GB"/>
           </a:p>
@@ -1260,7 +1260,7 @@
             <a:fld id="{26EA1CF3-4A15-4CBF-9A5A-6A56C368BE71}" type="datetimeFigureOut">
               <a:rPr lang="en-GB" smtClean="0"/>
               <a:pPr/>
-              <a:t>22/09/2025</a:t>
+              <a:t>10/11/2025</a:t>
             </a:fld>
             <a:endParaRPr lang="en-GB"/>
           </a:p>
@@ -1503,7 +1503,7 @@
             <a:fld id="{26EA1CF3-4A15-4CBF-9A5A-6A56C368BE71}" type="datetimeFigureOut">
               <a:rPr lang="en-GB" smtClean="0"/>
               <a:pPr/>
-              <a:t>22/09/2025</a:t>
+              <a:t>10/11/2025</a:t>
             </a:fld>
             <a:endParaRPr lang="en-GB"/>
           </a:p>
@@ -1788,7 +1788,7 @@
             <a:fld id="{26EA1CF3-4A15-4CBF-9A5A-6A56C368BE71}" type="datetimeFigureOut">
               <a:rPr lang="en-GB" smtClean="0"/>
               <a:pPr/>
-              <a:t>22/09/2025</a:t>
+              <a:t>10/11/2025</a:t>
             </a:fld>
             <a:endParaRPr lang="en-GB"/>
           </a:p>
@@ -2207,7 +2207,7 @@
             <a:fld id="{26EA1CF3-4A15-4CBF-9A5A-6A56C368BE71}" type="datetimeFigureOut">
               <a:rPr lang="en-GB" smtClean="0"/>
               <a:pPr/>
-              <a:t>22/09/2025</a:t>
+              <a:t>10/11/2025</a:t>
             </a:fld>
             <a:endParaRPr lang="en-GB"/>
           </a:p>
@@ -2322,7 +2322,7 @@
             <a:fld id="{26EA1CF3-4A15-4CBF-9A5A-6A56C368BE71}" type="datetimeFigureOut">
               <a:rPr lang="en-GB" smtClean="0"/>
               <a:pPr/>
-              <a:t>22/09/2025</a:t>
+              <a:t>10/11/2025</a:t>
             </a:fld>
             <a:endParaRPr lang="en-GB"/>
           </a:p>
@@ -2414,7 +2414,7 @@
             <a:fld id="{26EA1CF3-4A15-4CBF-9A5A-6A56C368BE71}" type="datetimeFigureOut">
               <a:rPr lang="en-GB" smtClean="0"/>
               <a:pPr/>
-              <a:t>22/09/2025</a:t>
+              <a:t>10/11/2025</a:t>
             </a:fld>
             <a:endParaRPr lang="en-GB"/>
           </a:p>
@@ -2688,7 +2688,7 @@
             <a:fld id="{26EA1CF3-4A15-4CBF-9A5A-6A56C368BE71}" type="datetimeFigureOut">
               <a:rPr lang="en-GB" smtClean="0"/>
               <a:pPr/>
-              <a:t>22/09/2025</a:t>
+              <a:t>10/11/2025</a:t>
             </a:fld>
             <a:endParaRPr lang="en-GB"/>
           </a:p>
@@ -2938,7 +2938,7 @@
             <a:fld id="{26EA1CF3-4A15-4CBF-9A5A-6A56C368BE71}" type="datetimeFigureOut">
               <a:rPr lang="en-GB" smtClean="0"/>
               <a:pPr/>
-              <a:t>22/09/2025</a:t>
+              <a:t>10/11/2025</a:t>
             </a:fld>
             <a:endParaRPr lang="en-GB"/>
           </a:p>
@@ -3147,7 +3147,7 @@
             <a:fld id="{26EA1CF3-4A15-4CBF-9A5A-6A56C368BE71}" type="datetimeFigureOut">
               <a:rPr lang="en-GB" smtClean="0"/>
               <a:pPr/>
-              <a:t>22/09/2025</a:t>
+              <a:t>10/11/2025</a:t>
             </a:fld>
             <a:endParaRPr lang="en-GB"/>
           </a:p>
@@ -4023,23 +4023,7 @@
                   <a:schemeClr val="bg1"/>
                 </a:solidFill>
               </a:rPr>
-              <a:t>All </a:t>
-            </a:r>
-            <a:r>
-              <a:rPr lang="en-GB" sz="3600" dirty="0" err="1">
-                <a:solidFill>
-                  <a:schemeClr val="bg1"/>
-                </a:solidFill>
-              </a:rPr>
-              <a:t>honor</a:t>
-            </a:r>
-            <a:r>
-              <a:rPr lang="en-GB" sz="3600" dirty="0">
-                <a:solidFill>
-                  <a:schemeClr val="bg1"/>
-                </a:solidFill>
-              </a:rPr>
-              <a:t> and power are His</a:t>
+              <a:t>All honour and power are His</a:t>
             </a:r>
           </a:p>
           <a:p>
